--- a/Core_API/images.pptx
+++ b/Core_API/images.pptx
@@ -6,6 +6,8 @@
   </p:sldMasterIdLst>
   <p:sldIdLst>
     <p:sldId id="256" r:id="rId2"/>
+    <p:sldId id="257" r:id="rId3"/>
+    <p:sldId id="258" r:id="rId4"/>
   </p:sldIdLst>
   <p:sldSz cx="12192000" cy="6858000"/>
   <p:notesSz cx="6858000" cy="9144000"/>
@@ -104,6 +106,11 @@
       </a:defRPr>
     </a:lvl9pPr>
   </p:defaultTextStyle>
+  <p:extLst>
+    <p:ext uri="{EFAFB233-063F-42B5-8137-9DF3F51BA10A}">
+      <p15:sldGuideLst xmlns:p15="http://schemas.microsoft.com/office/powerpoint/2012/main"/>
+    </p:ext>
+  </p:extLst>
 </p:presentation>
 </file>
 
@@ -254,7 +261,7 @@
           <a:p>
             <a:fld id="{324BFE62-DADF-4639-8179-8DA22C92290C}" type="datetimeFigureOut">
               <a:rPr lang="en-US" smtClean="0"/>
-              <a:t>3/20/2023</a:t>
+              <a:t>3/21/2023</a:t>
             </a:fld>
             <a:endParaRPr lang="en-US"/>
           </a:p>
@@ -452,7 +459,7 @@
           <a:p>
             <a:fld id="{324BFE62-DADF-4639-8179-8DA22C92290C}" type="datetimeFigureOut">
               <a:rPr lang="en-US" smtClean="0"/>
-              <a:t>3/20/2023</a:t>
+              <a:t>3/21/2023</a:t>
             </a:fld>
             <a:endParaRPr lang="en-US"/>
           </a:p>
@@ -660,7 +667,7 @@
           <a:p>
             <a:fld id="{324BFE62-DADF-4639-8179-8DA22C92290C}" type="datetimeFigureOut">
               <a:rPr lang="en-US" smtClean="0"/>
-              <a:t>3/20/2023</a:t>
+              <a:t>3/21/2023</a:t>
             </a:fld>
             <a:endParaRPr lang="en-US"/>
           </a:p>
@@ -858,7 +865,7 @@
           <a:p>
             <a:fld id="{324BFE62-DADF-4639-8179-8DA22C92290C}" type="datetimeFigureOut">
               <a:rPr lang="en-US" smtClean="0"/>
-              <a:t>3/20/2023</a:t>
+              <a:t>3/21/2023</a:t>
             </a:fld>
             <a:endParaRPr lang="en-US"/>
           </a:p>
@@ -1133,7 +1140,7 @@
           <a:p>
             <a:fld id="{324BFE62-DADF-4639-8179-8DA22C92290C}" type="datetimeFigureOut">
               <a:rPr lang="en-US" smtClean="0"/>
-              <a:t>3/20/2023</a:t>
+              <a:t>3/21/2023</a:t>
             </a:fld>
             <a:endParaRPr lang="en-US"/>
           </a:p>
@@ -1398,7 +1405,7 @@
           <a:p>
             <a:fld id="{324BFE62-DADF-4639-8179-8DA22C92290C}" type="datetimeFigureOut">
               <a:rPr lang="en-US" smtClean="0"/>
-              <a:t>3/20/2023</a:t>
+              <a:t>3/21/2023</a:t>
             </a:fld>
             <a:endParaRPr lang="en-US"/>
           </a:p>
@@ -1810,7 +1817,7 @@
           <a:p>
             <a:fld id="{324BFE62-DADF-4639-8179-8DA22C92290C}" type="datetimeFigureOut">
               <a:rPr lang="en-US" smtClean="0"/>
-              <a:t>3/20/2023</a:t>
+              <a:t>3/21/2023</a:t>
             </a:fld>
             <a:endParaRPr lang="en-US"/>
           </a:p>
@@ -1951,7 +1958,7 @@
           <a:p>
             <a:fld id="{324BFE62-DADF-4639-8179-8DA22C92290C}" type="datetimeFigureOut">
               <a:rPr lang="en-US" smtClean="0"/>
-              <a:t>3/20/2023</a:t>
+              <a:t>3/21/2023</a:t>
             </a:fld>
             <a:endParaRPr lang="en-US"/>
           </a:p>
@@ -2064,7 +2071,7 @@
           <a:p>
             <a:fld id="{324BFE62-DADF-4639-8179-8DA22C92290C}" type="datetimeFigureOut">
               <a:rPr lang="en-US" smtClean="0"/>
-              <a:t>3/20/2023</a:t>
+              <a:t>3/21/2023</a:t>
             </a:fld>
             <a:endParaRPr lang="en-US"/>
           </a:p>
@@ -2375,7 +2382,7 @@
           <a:p>
             <a:fld id="{324BFE62-DADF-4639-8179-8DA22C92290C}" type="datetimeFigureOut">
               <a:rPr lang="en-US" smtClean="0"/>
-              <a:t>3/20/2023</a:t>
+              <a:t>3/21/2023</a:t>
             </a:fld>
             <a:endParaRPr lang="en-US"/>
           </a:p>
@@ -2663,7 +2670,7 @@
           <a:p>
             <a:fld id="{324BFE62-DADF-4639-8179-8DA22C92290C}" type="datetimeFigureOut">
               <a:rPr lang="en-US" smtClean="0"/>
-              <a:t>3/20/2023</a:t>
+              <a:t>3/21/2023</a:t>
             </a:fld>
             <a:endParaRPr lang="en-US"/>
           </a:p>
@@ -2904,7 +2911,7 @@
           <a:p>
             <a:fld id="{324BFE62-DADF-4639-8179-8DA22C92290C}" type="datetimeFigureOut">
               <a:rPr lang="en-US" smtClean="0"/>
-              <a:t>3/20/2023</a:t>
+              <a:t>3/21/2023</a:t>
             </a:fld>
             <a:endParaRPr lang="en-US"/>
           </a:p>
@@ -5031,6 +5038,477 @@
 </p:sld>
 </file>
 
+<file path=ppt/slides/slide2.xml><?xml version="1.0" encoding="utf-8"?>
+<p:sld xmlns:a="http://schemas.openxmlformats.org/drawingml/2006/main" xmlns:r="http://schemas.openxmlformats.org/officeDocument/2006/relationships" xmlns:p="http://schemas.openxmlformats.org/presentationml/2006/main">
+  <p:cSld>
+    <p:spTree>
+      <p:nvGrpSpPr>
+        <p:cNvPr id="1" name=""/>
+        <p:cNvGrpSpPr/>
+        <p:nvPr/>
+      </p:nvGrpSpPr>
+      <p:grpSpPr>
+        <a:xfrm>
+          <a:off x="0" y="0"/>
+          <a:ext cx="0" cy="0"/>
+          <a:chOff x="0" y="0"/>
+          <a:chExt cx="0" cy="0"/>
+        </a:xfrm>
+      </p:grpSpPr>
+      <p:sp>
+        <p:nvSpPr>
+          <p:cNvPr id="3" name="Rectangle: Rounded Corners 2">
+            <a:extLst>
+              <a:ext uri="{FF2B5EF4-FFF2-40B4-BE49-F238E27FC236}">
+                <a16:creationId xmlns:a16="http://schemas.microsoft.com/office/drawing/2014/main" id="{9E868CA6-AD89-87C6-7134-E1DA4F3E0454}"/>
+              </a:ext>
+            </a:extLst>
+          </p:cNvPr>
+          <p:cNvSpPr/>
+          <p:nvPr/>
+        </p:nvSpPr>
+        <p:spPr>
+          <a:xfrm>
+            <a:off x="1427584" y="3041779"/>
+            <a:ext cx="3442996" cy="1604865"/>
+          </a:xfrm>
+          <a:prstGeom prst="roundRect">
+            <a:avLst/>
+          </a:prstGeom>
+        </p:spPr>
+        <p:style>
+          <a:lnRef idx="2">
+            <a:schemeClr val="accent1">
+              <a:shade val="50000"/>
+            </a:schemeClr>
+          </a:lnRef>
+          <a:fillRef idx="1">
+            <a:schemeClr val="accent1"/>
+          </a:fillRef>
+          <a:effectRef idx="0">
+            <a:schemeClr val="accent1"/>
+          </a:effectRef>
+          <a:fontRef idx="minor">
+            <a:schemeClr val="lt1"/>
+          </a:fontRef>
+        </p:style>
+        <p:txBody>
+          <a:bodyPr rtlCol="0" anchor="ctr"/>
+          <a:lstStyle/>
+          <a:p>
+            <a:pPr algn="ctr"/>
+            <a:r>
+              <a:rPr lang="en-IN" dirty="0" err="1"/>
+              <a:t>DepartmentService</a:t>
+            </a:r>
+            <a:endParaRPr lang="en-US" dirty="0"/>
+          </a:p>
+        </p:txBody>
+      </p:sp>
+      <p:sp>
+        <p:nvSpPr>
+          <p:cNvPr id="4" name="Rectangle: Rounded Corners 3">
+            <a:extLst>
+              <a:ext uri="{FF2B5EF4-FFF2-40B4-BE49-F238E27FC236}">
+                <a16:creationId xmlns:a16="http://schemas.microsoft.com/office/drawing/2014/main" id="{18A947A2-A5F2-55EB-E40A-AD1F9FA564F9}"/>
+              </a:ext>
+            </a:extLst>
+          </p:cNvPr>
+          <p:cNvSpPr/>
+          <p:nvPr/>
+        </p:nvSpPr>
+        <p:spPr>
+          <a:xfrm>
+            <a:off x="7169021" y="3041778"/>
+            <a:ext cx="3442996" cy="1604865"/>
+          </a:xfrm>
+          <a:prstGeom prst="roundRect">
+            <a:avLst/>
+          </a:prstGeom>
+        </p:spPr>
+        <p:style>
+          <a:lnRef idx="2">
+            <a:schemeClr val="accent1">
+              <a:shade val="50000"/>
+            </a:schemeClr>
+          </a:lnRef>
+          <a:fillRef idx="1">
+            <a:schemeClr val="accent1"/>
+          </a:fillRef>
+          <a:effectRef idx="0">
+            <a:schemeClr val="accent1"/>
+          </a:effectRef>
+          <a:fontRef idx="minor">
+            <a:schemeClr val="lt1"/>
+          </a:fontRef>
+        </p:style>
+        <p:txBody>
+          <a:bodyPr rtlCol="0" anchor="ctr"/>
+          <a:lstStyle/>
+          <a:p>
+            <a:pPr algn="ctr"/>
+            <a:r>
+              <a:rPr lang="en-IN" dirty="0"/>
+              <a:t>EmployeeService</a:t>
+            </a:r>
+            <a:endParaRPr lang="en-US" dirty="0"/>
+          </a:p>
+        </p:txBody>
+      </p:sp>
+      <p:sp>
+        <p:nvSpPr>
+          <p:cNvPr id="5" name="Rectangle 4">
+            <a:extLst>
+              <a:ext uri="{FF2B5EF4-FFF2-40B4-BE49-F238E27FC236}">
+                <a16:creationId xmlns:a16="http://schemas.microsoft.com/office/drawing/2014/main" id="{6160579F-AE00-EF2C-9E1A-46D99709A0F9}"/>
+              </a:ext>
+            </a:extLst>
+          </p:cNvPr>
+          <p:cNvSpPr/>
+          <p:nvPr/>
+        </p:nvSpPr>
+        <p:spPr>
+          <a:xfrm>
+            <a:off x="4556449" y="214604"/>
+            <a:ext cx="3079102" cy="1604865"/>
+          </a:xfrm>
+          <a:prstGeom prst="rect">
+            <a:avLst/>
+          </a:prstGeom>
+        </p:spPr>
+        <p:style>
+          <a:lnRef idx="2">
+            <a:schemeClr val="accent1">
+              <a:shade val="50000"/>
+            </a:schemeClr>
+          </a:lnRef>
+          <a:fillRef idx="1">
+            <a:schemeClr val="accent1"/>
+          </a:fillRef>
+          <a:effectRef idx="0">
+            <a:schemeClr val="accent1"/>
+          </a:effectRef>
+          <a:fontRef idx="minor">
+            <a:schemeClr val="lt1"/>
+          </a:fontRef>
+        </p:style>
+        <p:txBody>
+          <a:bodyPr rtlCol="0" anchor="ctr"/>
+          <a:lstStyle/>
+          <a:p>
+            <a:pPr algn="ctr"/>
+            <a:r>
+              <a:rPr lang="en-IN" dirty="0"/>
+              <a:t>IService Interface </a:t>
+            </a:r>
+          </a:p>
+          <a:p>
+            <a:pPr algn="ctr"/>
+            <a:r>
+              <a:rPr lang="en-IN" dirty="0"/>
+              <a:t>With </a:t>
+            </a:r>
+          </a:p>
+          <a:p>
+            <a:pPr algn="ctr"/>
+            <a:r>
+              <a:rPr lang="en-IN" dirty="0"/>
+              <a:t>CRUD Methods </a:t>
+            </a:r>
+            <a:endParaRPr lang="en-US" dirty="0"/>
+          </a:p>
+        </p:txBody>
+      </p:sp>
+      <p:cxnSp>
+        <p:nvCxnSpPr>
+          <p:cNvPr id="7" name="Connector: Elbow 6">
+            <a:extLst>
+              <a:ext uri="{FF2B5EF4-FFF2-40B4-BE49-F238E27FC236}">
+                <a16:creationId xmlns:a16="http://schemas.microsoft.com/office/drawing/2014/main" id="{75CF294B-3AF9-09DB-8608-0EBB64ECD09D}"/>
+              </a:ext>
+            </a:extLst>
+          </p:cNvPr>
+          <p:cNvCxnSpPr>
+            <a:stCxn id="3" idx="0"/>
+            <a:endCxn id="5" idx="2"/>
+          </p:cNvCxnSpPr>
+          <p:nvPr/>
+        </p:nvCxnSpPr>
+        <p:spPr>
+          <a:xfrm rot="5400000" flipH="1" flipV="1">
+            <a:off x="4011386" y="957165"/>
+            <a:ext cx="1222310" cy="2946918"/>
+          </a:xfrm>
+          <a:prstGeom prst="bentConnector3">
+            <a:avLst/>
+          </a:prstGeom>
+          <a:ln w="76200">
+            <a:solidFill>
+              <a:srgbClr val="C00000"/>
+            </a:solidFill>
+            <a:tailEnd type="triangle"/>
+          </a:ln>
+        </p:spPr>
+        <p:style>
+          <a:lnRef idx="1">
+            <a:schemeClr val="accent1"/>
+          </a:lnRef>
+          <a:fillRef idx="0">
+            <a:schemeClr val="accent1"/>
+          </a:fillRef>
+          <a:effectRef idx="0">
+            <a:schemeClr val="accent1"/>
+          </a:effectRef>
+          <a:fontRef idx="minor">
+            <a:schemeClr val="tx1"/>
+          </a:fontRef>
+        </p:style>
+      </p:cxnSp>
+      <p:cxnSp>
+        <p:nvCxnSpPr>
+          <p:cNvPr id="9" name="Connector: Elbow 8">
+            <a:extLst>
+              <a:ext uri="{FF2B5EF4-FFF2-40B4-BE49-F238E27FC236}">
+                <a16:creationId xmlns:a16="http://schemas.microsoft.com/office/drawing/2014/main" id="{247A8EED-AB5E-54D5-2ED0-DAFE3BCB42B2}"/>
+              </a:ext>
+            </a:extLst>
+          </p:cNvPr>
+          <p:cNvCxnSpPr>
+            <a:stCxn id="4" idx="0"/>
+            <a:endCxn id="5" idx="2"/>
+          </p:cNvCxnSpPr>
+          <p:nvPr/>
+        </p:nvCxnSpPr>
+        <p:spPr>
+          <a:xfrm rot="16200000" flipV="1">
+            <a:off x="6882106" y="1033364"/>
+            <a:ext cx="1222309" cy="2794519"/>
+          </a:xfrm>
+          <a:prstGeom prst="bentConnector3">
+            <a:avLst/>
+          </a:prstGeom>
+          <a:ln w="76200">
+            <a:solidFill>
+              <a:srgbClr val="C00000"/>
+            </a:solidFill>
+            <a:tailEnd type="triangle"/>
+          </a:ln>
+        </p:spPr>
+        <p:style>
+          <a:lnRef idx="1">
+            <a:schemeClr val="accent1"/>
+          </a:lnRef>
+          <a:fillRef idx="0">
+            <a:schemeClr val="accent1"/>
+          </a:fillRef>
+          <a:effectRef idx="0">
+            <a:schemeClr val="accent1"/>
+          </a:effectRef>
+          <a:fontRef idx="minor">
+            <a:schemeClr val="tx1"/>
+          </a:fontRef>
+        </p:style>
+      </p:cxnSp>
+      <p:sp>
+        <p:nvSpPr>
+          <p:cNvPr id="10" name="TextBox 9">
+            <a:extLst>
+              <a:ext uri="{FF2B5EF4-FFF2-40B4-BE49-F238E27FC236}">
+                <a16:creationId xmlns:a16="http://schemas.microsoft.com/office/drawing/2014/main" id="{121E409C-8019-9909-5470-3B74B910B49B}"/>
+              </a:ext>
+            </a:extLst>
+          </p:cNvPr>
+          <p:cNvSpPr txBox="1"/>
+          <p:nvPr/>
+        </p:nvSpPr>
+        <p:spPr>
+          <a:xfrm>
+            <a:off x="7929466" y="2497110"/>
+            <a:ext cx="2595465" cy="369332"/>
+          </a:xfrm>
+          <a:prstGeom prst="rect">
+            <a:avLst/>
+          </a:prstGeom>
+          <a:noFill/>
+        </p:spPr>
+        <p:txBody>
+          <a:bodyPr wrap="square" rtlCol="0">
+            <a:spAutoFit/>
+          </a:bodyPr>
+          <a:lstStyle/>
+          <a:p>
+            <a:r>
+              <a:rPr lang="en-IN" dirty="0"/>
+              <a:t>Implements Interface</a:t>
+            </a:r>
+            <a:endParaRPr lang="en-US" dirty="0"/>
+          </a:p>
+        </p:txBody>
+      </p:sp>
+      <p:sp>
+        <p:nvSpPr>
+          <p:cNvPr id="11" name="TextBox 10">
+            <a:extLst>
+              <a:ext uri="{FF2B5EF4-FFF2-40B4-BE49-F238E27FC236}">
+                <a16:creationId xmlns:a16="http://schemas.microsoft.com/office/drawing/2014/main" id="{DB6A3CE6-F011-59AC-FB02-3E15B16EE00B}"/>
+              </a:ext>
+            </a:extLst>
+          </p:cNvPr>
+          <p:cNvSpPr txBox="1"/>
+          <p:nvPr/>
+        </p:nvSpPr>
+        <p:spPr>
+          <a:xfrm>
+            <a:off x="1903448" y="2574865"/>
+            <a:ext cx="2595465" cy="369332"/>
+          </a:xfrm>
+          <a:prstGeom prst="rect">
+            <a:avLst/>
+          </a:prstGeom>
+          <a:noFill/>
+        </p:spPr>
+        <p:txBody>
+          <a:bodyPr wrap="square" rtlCol="0">
+            <a:spAutoFit/>
+          </a:bodyPr>
+          <a:lstStyle/>
+          <a:p>
+            <a:r>
+              <a:rPr lang="en-IN" dirty="0"/>
+              <a:t>Implements Interface</a:t>
+            </a:r>
+            <a:endParaRPr lang="en-US" dirty="0"/>
+          </a:p>
+        </p:txBody>
+      </p:sp>
+    </p:spTree>
+    <p:extLst>
+      <p:ext uri="{BB962C8B-B14F-4D97-AF65-F5344CB8AC3E}">
+        <p14:creationId xmlns:p14="http://schemas.microsoft.com/office/powerpoint/2010/main" val="4187489838"/>
+      </p:ext>
+    </p:extLst>
+  </p:cSld>
+  <p:clrMapOvr>
+    <a:masterClrMapping/>
+  </p:clrMapOvr>
+</p:sld>
+</file>
+
+<file path=ppt/slides/slide3.xml><?xml version="1.0" encoding="utf-8"?>
+<p:sld xmlns:a="http://schemas.openxmlformats.org/drawingml/2006/main" xmlns:r="http://schemas.openxmlformats.org/officeDocument/2006/relationships" xmlns:p="http://schemas.openxmlformats.org/presentationml/2006/main">
+  <p:cSld>
+    <p:spTree>
+      <p:nvGrpSpPr>
+        <p:cNvPr id="1" name=""/>
+        <p:cNvGrpSpPr/>
+        <p:nvPr/>
+      </p:nvGrpSpPr>
+      <p:grpSpPr>
+        <a:xfrm>
+          <a:off x="0" y="0"/>
+          <a:ext cx="0" cy="0"/>
+          <a:chOff x="0" y="0"/>
+          <a:chExt cx="0" cy="0"/>
+        </a:xfrm>
+      </p:grpSpPr>
+      <p:pic>
+        <p:nvPicPr>
+          <p:cNvPr id="1026" name="Picture 2" descr="inverted flow">
+            <a:extLst>
+              <a:ext uri="{FF2B5EF4-FFF2-40B4-BE49-F238E27FC236}">
+                <a16:creationId xmlns:a16="http://schemas.microsoft.com/office/drawing/2014/main" id="{535F2613-9929-9C34-D67D-5D0FF1E75408}"/>
+              </a:ext>
+            </a:extLst>
+          </p:cNvPr>
+          <p:cNvPicPr>
+            <a:picLocks noChangeAspect="1" noChangeArrowheads="1"/>
+          </p:cNvPicPr>
+          <p:nvPr/>
+        </p:nvPicPr>
+        <p:blipFill>
+          <a:blip r:embed="rId2">
+            <a:extLst>
+              <a:ext uri="{28A0092B-C50C-407E-A947-70E740481C1C}">
+                <a14:useLocalDpi xmlns:a14="http://schemas.microsoft.com/office/drawing/2010/main" val="0"/>
+              </a:ext>
+            </a:extLst>
+          </a:blip>
+          <a:srcRect/>
+          <a:stretch>
+            <a:fillRect/>
+          </a:stretch>
+        </p:blipFill>
+        <p:spPr bwMode="auto">
+          <a:xfrm>
+            <a:off x="802433" y="265728"/>
+            <a:ext cx="7541273" cy="5490776"/>
+          </a:xfrm>
+          <a:prstGeom prst="rect">
+            <a:avLst/>
+          </a:prstGeom>
+          <a:noFill/>
+          <a:extLst>
+            <a:ext uri="{909E8E84-426E-40DD-AFC4-6F175D3DCCD1}">
+              <a14:hiddenFill xmlns:a14="http://schemas.microsoft.com/office/drawing/2010/main">
+                <a:solidFill>
+                  <a:srgbClr val="FFFFFF"/>
+                </a:solidFill>
+              </a14:hiddenFill>
+            </a:ext>
+          </a:extLst>
+        </p:spPr>
+      </p:pic>
+      <p:sp>
+        <p:nvSpPr>
+          <p:cNvPr id="3" name="TextBox 2">
+            <a:extLst>
+              <a:ext uri="{FF2B5EF4-FFF2-40B4-BE49-F238E27FC236}">
+                <a16:creationId xmlns:a16="http://schemas.microsoft.com/office/drawing/2014/main" id="{45BFA111-201F-0770-A2E9-6A9B121308AC}"/>
+              </a:ext>
+            </a:extLst>
+          </p:cNvPr>
+          <p:cNvSpPr txBox="1"/>
+          <p:nvPr/>
+        </p:nvSpPr>
+        <p:spPr>
+          <a:xfrm>
+            <a:off x="426875" y="6269106"/>
+            <a:ext cx="11049777" cy="215444"/>
+          </a:xfrm>
+          <a:prstGeom prst="rect">
+            <a:avLst/>
+          </a:prstGeom>
+          <a:noFill/>
+        </p:spPr>
+        <p:txBody>
+          <a:bodyPr wrap="square">
+            <a:spAutoFit/>
+          </a:bodyPr>
+          <a:lstStyle/>
+          <a:p>
+            <a:r>
+              <a:rPr lang="en-US" sz="800" dirty="0">
+                <a:hlinkClick r:id="rId3"/>
+              </a:rPr>
+              <a:t>Dependency Injection in ASP.NET Core - Code Maze (code-maze.com)</a:t>
+            </a:r>
+            <a:endParaRPr lang="en-US" sz="800" dirty="0"/>
+          </a:p>
+        </p:txBody>
+      </p:sp>
+    </p:spTree>
+    <p:extLst>
+      <p:ext uri="{BB962C8B-B14F-4D97-AF65-F5344CB8AC3E}">
+        <p14:creationId xmlns:p14="http://schemas.microsoft.com/office/powerpoint/2010/main" val="1517122878"/>
+      </p:ext>
+    </p:extLst>
+  </p:cSld>
+  <p:clrMapOvr>
+    <a:masterClrMapping/>
+  </p:clrMapOvr>
+</p:sld>
+</file>
+
 <file path=ppt/theme/theme1.xml><?xml version="1.0" encoding="utf-8"?>
 <a:theme xmlns:a="http://schemas.openxmlformats.org/drawingml/2006/main" name="Office Theme">
   <a:themeElements>

--- a/Core_API/images.pptx
+++ b/Core_API/images.pptx
@@ -6,8 +6,9 @@
   </p:sldMasterIdLst>
   <p:sldIdLst>
     <p:sldId id="256" r:id="rId2"/>
-    <p:sldId id="257" r:id="rId3"/>
-    <p:sldId id="258" r:id="rId4"/>
+    <p:sldId id="259" r:id="rId3"/>
+    <p:sldId id="257" r:id="rId4"/>
+    <p:sldId id="258" r:id="rId5"/>
   </p:sldIdLst>
   <p:sldSz cx="12192000" cy="6858000"/>
   <p:notesSz cx="6858000" cy="9144000"/>
@@ -5055,6 +5056,36 @@
           <a:chExt cx="0" cy="0"/>
         </a:xfrm>
       </p:grpSpPr>
+    </p:spTree>
+    <p:extLst>
+      <p:ext uri="{BB962C8B-B14F-4D97-AF65-F5344CB8AC3E}">
+        <p14:creationId xmlns:p14="http://schemas.microsoft.com/office/powerpoint/2010/main" val="4057145978"/>
+      </p:ext>
+    </p:extLst>
+  </p:cSld>
+  <p:clrMapOvr>
+    <a:masterClrMapping/>
+  </p:clrMapOvr>
+</p:sld>
+</file>
+
+<file path=ppt/slides/slide3.xml><?xml version="1.0" encoding="utf-8"?>
+<p:sld xmlns:a="http://schemas.openxmlformats.org/drawingml/2006/main" xmlns:r="http://schemas.openxmlformats.org/officeDocument/2006/relationships" xmlns:p="http://schemas.openxmlformats.org/presentationml/2006/main">
+  <p:cSld>
+    <p:spTree>
+      <p:nvGrpSpPr>
+        <p:cNvPr id="1" name=""/>
+        <p:cNvGrpSpPr/>
+        <p:nvPr/>
+      </p:nvGrpSpPr>
+      <p:grpSpPr>
+        <a:xfrm>
+          <a:off x="0" y="0"/>
+          <a:ext cx="0" cy="0"/>
+          <a:chOff x="0" y="0"/>
+          <a:chExt cx="0" cy="0"/>
+        </a:xfrm>
+      </p:grpSpPr>
       <p:sp>
         <p:nvSpPr>
           <p:cNvPr id="3" name="Rectangle: Rounded Corners 2">
@@ -5394,7 +5425,7 @@
 </p:sld>
 </file>
 
-<file path=ppt/slides/slide3.xml><?xml version="1.0" encoding="utf-8"?>
+<file path=ppt/slides/slide4.xml><?xml version="1.0" encoding="utf-8"?>
 <p:sld xmlns:a="http://schemas.openxmlformats.org/drawingml/2006/main" xmlns:r="http://schemas.openxmlformats.org/officeDocument/2006/relationships" xmlns:p="http://schemas.openxmlformats.org/presentationml/2006/main">
   <p:cSld>
     <p:spTree>

--- a/Core_API/images.pptx
+++ b/Core_API/images.pptx
@@ -9,6 +9,7 @@
     <p:sldId id="259" r:id="rId3"/>
     <p:sldId id="257" r:id="rId4"/>
     <p:sldId id="258" r:id="rId5"/>
+    <p:sldId id="260" r:id="rId6"/>
   </p:sldIdLst>
   <p:sldSz cx="12192000" cy="6858000"/>
   <p:notesSz cx="6858000" cy="9144000"/>
@@ -262,7 +263,7 @@
           <a:p>
             <a:fld id="{324BFE62-DADF-4639-8179-8DA22C92290C}" type="datetimeFigureOut">
               <a:rPr lang="en-US" smtClean="0"/>
-              <a:t>3/21/2023</a:t>
+              <a:t>3/30/2023</a:t>
             </a:fld>
             <a:endParaRPr lang="en-US"/>
           </a:p>
@@ -460,7 +461,7 @@
           <a:p>
             <a:fld id="{324BFE62-DADF-4639-8179-8DA22C92290C}" type="datetimeFigureOut">
               <a:rPr lang="en-US" smtClean="0"/>
-              <a:t>3/21/2023</a:t>
+              <a:t>3/30/2023</a:t>
             </a:fld>
             <a:endParaRPr lang="en-US"/>
           </a:p>
@@ -668,7 +669,7 @@
           <a:p>
             <a:fld id="{324BFE62-DADF-4639-8179-8DA22C92290C}" type="datetimeFigureOut">
               <a:rPr lang="en-US" smtClean="0"/>
-              <a:t>3/21/2023</a:t>
+              <a:t>3/30/2023</a:t>
             </a:fld>
             <a:endParaRPr lang="en-US"/>
           </a:p>
@@ -866,7 +867,7 @@
           <a:p>
             <a:fld id="{324BFE62-DADF-4639-8179-8DA22C92290C}" type="datetimeFigureOut">
               <a:rPr lang="en-US" smtClean="0"/>
-              <a:t>3/21/2023</a:t>
+              <a:t>3/30/2023</a:t>
             </a:fld>
             <a:endParaRPr lang="en-US"/>
           </a:p>
@@ -1141,7 +1142,7 @@
           <a:p>
             <a:fld id="{324BFE62-DADF-4639-8179-8DA22C92290C}" type="datetimeFigureOut">
               <a:rPr lang="en-US" smtClean="0"/>
-              <a:t>3/21/2023</a:t>
+              <a:t>3/30/2023</a:t>
             </a:fld>
             <a:endParaRPr lang="en-US"/>
           </a:p>
@@ -1406,7 +1407,7 @@
           <a:p>
             <a:fld id="{324BFE62-DADF-4639-8179-8DA22C92290C}" type="datetimeFigureOut">
               <a:rPr lang="en-US" smtClean="0"/>
-              <a:t>3/21/2023</a:t>
+              <a:t>3/30/2023</a:t>
             </a:fld>
             <a:endParaRPr lang="en-US"/>
           </a:p>
@@ -1818,7 +1819,7 @@
           <a:p>
             <a:fld id="{324BFE62-DADF-4639-8179-8DA22C92290C}" type="datetimeFigureOut">
               <a:rPr lang="en-US" smtClean="0"/>
-              <a:t>3/21/2023</a:t>
+              <a:t>3/30/2023</a:t>
             </a:fld>
             <a:endParaRPr lang="en-US"/>
           </a:p>
@@ -1959,7 +1960,7 @@
           <a:p>
             <a:fld id="{324BFE62-DADF-4639-8179-8DA22C92290C}" type="datetimeFigureOut">
               <a:rPr lang="en-US" smtClean="0"/>
-              <a:t>3/21/2023</a:t>
+              <a:t>3/30/2023</a:t>
             </a:fld>
             <a:endParaRPr lang="en-US"/>
           </a:p>
@@ -2072,7 +2073,7 @@
           <a:p>
             <a:fld id="{324BFE62-DADF-4639-8179-8DA22C92290C}" type="datetimeFigureOut">
               <a:rPr lang="en-US" smtClean="0"/>
-              <a:t>3/21/2023</a:t>
+              <a:t>3/30/2023</a:t>
             </a:fld>
             <a:endParaRPr lang="en-US"/>
           </a:p>
@@ -2383,7 +2384,7 @@
           <a:p>
             <a:fld id="{324BFE62-DADF-4639-8179-8DA22C92290C}" type="datetimeFigureOut">
               <a:rPr lang="en-US" smtClean="0"/>
-              <a:t>3/21/2023</a:t>
+              <a:t>3/30/2023</a:t>
             </a:fld>
             <a:endParaRPr lang="en-US"/>
           </a:p>
@@ -2671,7 +2672,7 @@
           <a:p>
             <a:fld id="{324BFE62-DADF-4639-8179-8DA22C92290C}" type="datetimeFigureOut">
               <a:rPr lang="en-US" smtClean="0"/>
-              <a:t>3/21/2023</a:t>
+              <a:t>3/30/2023</a:t>
             </a:fld>
             <a:endParaRPr lang="en-US"/>
           </a:p>
@@ -2912,7 +2913,7 @@
           <a:p>
             <a:fld id="{324BFE62-DADF-4639-8179-8DA22C92290C}" type="datetimeFigureOut">
               <a:rPr lang="en-US" smtClean="0"/>
-              <a:t>3/21/2023</a:t>
+              <a:t>3/30/2023</a:t>
             </a:fld>
             <a:endParaRPr lang="en-US"/>
           </a:p>
@@ -5540,6 +5541,222 @@
 </p:sld>
 </file>
 
+<file path=ppt/slides/slide5.xml><?xml version="1.0" encoding="utf-8"?>
+<p:sld xmlns:a="http://schemas.openxmlformats.org/drawingml/2006/main" xmlns:r="http://schemas.openxmlformats.org/officeDocument/2006/relationships" xmlns:p="http://schemas.openxmlformats.org/presentationml/2006/main">
+  <p:cSld>
+    <p:spTree>
+      <p:nvGrpSpPr>
+        <p:cNvPr id="1" name=""/>
+        <p:cNvGrpSpPr/>
+        <p:nvPr/>
+      </p:nvGrpSpPr>
+      <p:grpSpPr>
+        <a:xfrm>
+          <a:off x="0" y="0"/>
+          <a:ext cx="0" cy="0"/>
+          <a:chOff x="0" y="0"/>
+          <a:chExt cx="0" cy="0"/>
+        </a:xfrm>
+      </p:grpSpPr>
+      <p:sp>
+        <p:nvSpPr>
+          <p:cNvPr id="2" name="Rectangle 1">
+            <a:extLst>
+              <a:ext uri="{FF2B5EF4-FFF2-40B4-BE49-F238E27FC236}">
+                <a16:creationId xmlns:a16="http://schemas.microsoft.com/office/drawing/2014/main" id="{DC66FAA3-FF67-1926-8D13-173FDE7DF5F0}"/>
+              </a:ext>
+            </a:extLst>
+          </p:cNvPr>
+          <p:cNvSpPr/>
+          <p:nvPr/>
+        </p:nvSpPr>
+        <p:spPr>
+          <a:xfrm>
+            <a:off x="830424" y="1950098"/>
+            <a:ext cx="10571584" cy="4329404"/>
+          </a:xfrm>
+          <a:prstGeom prst="rect">
+            <a:avLst/>
+          </a:prstGeom>
+        </p:spPr>
+        <p:style>
+          <a:lnRef idx="1">
+            <a:schemeClr val="accent2"/>
+          </a:lnRef>
+          <a:fillRef idx="2">
+            <a:schemeClr val="accent2"/>
+          </a:fillRef>
+          <a:effectRef idx="1">
+            <a:schemeClr val="accent2"/>
+          </a:effectRef>
+          <a:fontRef idx="minor">
+            <a:schemeClr val="dk1"/>
+          </a:fontRef>
+        </p:style>
+        <p:txBody>
+          <a:bodyPr rtlCol="0" anchor="ctr"/>
+          <a:lstStyle/>
+          <a:p>
+            <a:pPr algn="ctr"/>
+            <a:endParaRPr lang="en-US"/>
+          </a:p>
+        </p:txBody>
+      </p:sp>
+      <p:sp>
+        <p:nvSpPr>
+          <p:cNvPr id="3" name="Rectangle 2">
+            <a:extLst>
+              <a:ext uri="{FF2B5EF4-FFF2-40B4-BE49-F238E27FC236}">
+                <a16:creationId xmlns:a16="http://schemas.microsoft.com/office/drawing/2014/main" id="{B65C6A8F-ED87-9D21-C6F3-BAF5EA396932}"/>
+              </a:ext>
+            </a:extLst>
+          </p:cNvPr>
+          <p:cNvSpPr/>
+          <p:nvPr/>
+        </p:nvSpPr>
+        <p:spPr>
+          <a:xfrm>
+            <a:off x="830424" y="4627984"/>
+            <a:ext cx="10571584" cy="1539551"/>
+          </a:xfrm>
+          <a:prstGeom prst="rect">
+            <a:avLst/>
+          </a:prstGeom>
+        </p:spPr>
+        <p:style>
+          <a:lnRef idx="2">
+            <a:schemeClr val="accent1">
+              <a:shade val="50000"/>
+            </a:schemeClr>
+          </a:lnRef>
+          <a:fillRef idx="1">
+            <a:schemeClr val="accent1"/>
+          </a:fillRef>
+          <a:effectRef idx="0">
+            <a:schemeClr val="accent1"/>
+          </a:effectRef>
+          <a:fontRef idx="minor">
+            <a:schemeClr val="lt1"/>
+          </a:fontRef>
+        </p:style>
+        <p:txBody>
+          <a:bodyPr rtlCol="0" anchor="ctr"/>
+          <a:lstStyle/>
+          <a:p>
+            <a:pPr algn="ctr"/>
+            <a:r>
+              <a:rPr lang="en-IN" sz="3200" b="1" dirty="0"/>
+              <a:t>Application Runtime Image</a:t>
+            </a:r>
+          </a:p>
+          <a:p>
+            <a:pPr algn="ctr"/>
+            <a:r>
+              <a:rPr lang="en-IN" sz="3200" b="1" dirty="0"/>
+              <a:t>Guest OS + Runtime</a:t>
+            </a:r>
+            <a:endParaRPr lang="en-US" sz="3200" b="1" dirty="0"/>
+          </a:p>
+        </p:txBody>
+      </p:sp>
+      <p:sp>
+        <p:nvSpPr>
+          <p:cNvPr id="4" name="Rectangle 3">
+            <a:extLst>
+              <a:ext uri="{FF2B5EF4-FFF2-40B4-BE49-F238E27FC236}">
+                <a16:creationId xmlns:a16="http://schemas.microsoft.com/office/drawing/2014/main" id="{0DC1B216-3162-72B1-9C1E-A889C25DE37D}"/>
+              </a:ext>
+            </a:extLst>
+          </p:cNvPr>
+          <p:cNvSpPr/>
+          <p:nvPr/>
+        </p:nvSpPr>
+        <p:spPr>
+          <a:xfrm>
+            <a:off x="830424" y="2410408"/>
+            <a:ext cx="10571584" cy="1539551"/>
+          </a:xfrm>
+          <a:prstGeom prst="rect">
+            <a:avLst/>
+          </a:prstGeom>
+        </p:spPr>
+        <p:style>
+          <a:lnRef idx="0">
+            <a:schemeClr val="accent2"/>
+          </a:lnRef>
+          <a:fillRef idx="3">
+            <a:schemeClr val="accent2"/>
+          </a:fillRef>
+          <a:effectRef idx="3">
+            <a:schemeClr val="accent2"/>
+          </a:effectRef>
+          <a:fontRef idx="minor">
+            <a:schemeClr val="lt1"/>
+          </a:fontRef>
+        </p:style>
+        <p:txBody>
+          <a:bodyPr rtlCol="0" anchor="ctr"/>
+          <a:lstStyle/>
+          <a:p>
+            <a:pPr algn="ctr"/>
+            <a:r>
+              <a:rPr lang="en-IN" sz="3200" b="1" dirty="0"/>
+              <a:t>Application  </a:t>
+            </a:r>
+            <a:endParaRPr lang="en-US" sz="3200" b="1" dirty="0"/>
+          </a:p>
+        </p:txBody>
+      </p:sp>
+      <p:sp>
+        <p:nvSpPr>
+          <p:cNvPr id="5" name="TextBox 4">
+            <a:extLst>
+              <a:ext uri="{FF2B5EF4-FFF2-40B4-BE49-F238E27FC236}">
+                <a16:creationId xmlns:a16="http://schemas.microsoft.com/office/drawing/2014/main" id="{F9F45152-1020-E79E-80F8-450832B058DF}"/>
+              </a:ext>
+            </a:extLst>
+          </p:cNvPr>
+          <p:cNvSpPr txBox="1"/>
+          <p:nvPr/>
+        </p:nvSpPr>
+        <p:spPr>
+          <a:xfrm>
+            <a:off x="2295331" y="233265"/>
+            <a:ext cx="7371183" cy="830997"/>
+          </a:xfrm>
+          <a:prstGeom prst="rect">
+            <a:avLst/>
+          </a:prstGeom>
+          <a:noFill/>
+        </p:spPr>
+        <p:txBody>
+          <a:bodyPr wrap="square" rtlCol="0">
+            <a:spAutoFit/>
+          </a:bodyPr>
+          <a:lstStyle/>
+          <a:p>
+            <a:pPr algn="ctr"/>
+            <a:r>
+              <a:rPr lang="en-IN" sz="4800" b="1"/>
+              <a:t>Docker Image</a:t>
+            </a:r>
+            <a:endParaRPr lang="en-US" sz="4800" b="1"/>
+          </a:p>
+        </p:txBody>
+      </p:sp>
+    </p:spTree>
+    <p:extLst>
+      <p:ext uri="{BB962C8B-B14F-4D97-AF65-F5344CB8AC3E}">
+        <p14:creationId xmlns:p14="http://schemas.microsoft.com/office/powerpoint/2010/main" val="4247913223"/>
+      </p:ext>
+    </p:extLst>
+  </p:cSld>
+  <p:clrMapOvr>
+    <a:masterClrMapping/>
+  </p:clrMapOvr>
+</p:sld>
+</file>
+
 <file path=ppt/theme/theme1.xml><?xml version="1.0" encoding="utf-8"?>
 <a:theme xmlns:a="http://schemas.openxmlformats.org/drawingml/2006/main" name="Office Theme">
   <a:themeElements>
